--- a/ПРЕЗЕНТАЦИЯ.pptx
+++ b/ПРЕЗЕНТАЦИЯ.pptx
@@ -700,7 +700,7 @@
           </a:ln>
           <a:extLst>
             <a:ext uri="{C572A759-6A51-4108-AA02-DFA0A04FC94B}">
-              <ma14:wrappingTextBoxFlag xmlns:ma14="http://schemas.microsoft.com/office/mac/drawingml/2011/main" xmlns:a14="http://schemas.microsoft.com/office/drawing/2010/main" xmlns:m="http://schemas.openxmlformats.org/officeDocument/2006/math" xmlns="" val="1"/>
+              <ma14:wrappingTextBoxFlag xmlns="" xmlns:m="http://schemas.openxmlformats.org/officeDocument/2006/math" xmlns:a14="http://schemas.microsoft.com/office/drawing/2010/main" xmlns:ma14="http://schemas.microsoft.com/office/mac/drawingml/2011/main" val="1"/>
             </a:ext>
           </a:extLst>
         </p:spPr>
@@ -739,7 +739,7 @@
           </a:ln>
           <a:extLst>
             <a:ext uri="{C572A759-6A51-4108-AA02-DFA0A04FC94B}">
-              <ma14:wrappingTextBoxFlag xmlns:ma14="http://schemas.microsoft.com/office/mac/drawingml/2011/main" xmlns:a14="http://schemas.microsoft.com/office/drawing/2010/main" xmlns:m="http://schemas.openxmlformats.org/officeDocument/2006/math" xmlns="" val="1"/>
+              <ma14:wrappingTextBoxFlag xmlns="" xmlns:m="http://schemas.openxmlformats.org/officeDocument/2006/math" xmlns:a14="http://schemas.microsoft.com/office/drawing/2010/main" xmlns:ma14="http://schemas.microsoft.com/office/mac/drawingml/2011/main" val="1"/>
             </a:ext>
           </a:extLst>
         </p:spPr>
@@ -2418,7 +2418,7 @@
           </a:ln>
           <a:extLst>
             <a:ext uri="{C572A759-6A51-4108-AA02-DFA0A04FC94B}">
-              <ma14:wrappingTextBoxFlag xmlns:ma14="http://schemas.microsoft.com/office/mac/drawingml/2011/main" xmlns:a14="http://schemas.microsoft.com/office/drawing/2010/main" xmlns:m="http://schemas.openxmlformats.org/officeDocument/2006/math" xmlns="" val="1"/>
+              <ma14:wrappingTextBoxFlag xmlns="" xmlns:m="http://schemas.openxmlformats.org/officeDocument/2006/math" xmlns:a14="http://schemas.microsoft.com/office/drawing/2010/main" xmlns:ma14="http://schemas.microsoft.com/office/mac/drawingml/2011/main" val="1"/>
             </a:ext>
           </a:extLst>
         </p:spPr>
@@ -2490,7 +2490,7 @@
           </a:ln>
           <a:extLst>
             <a:ext uri="{C572A759-6A51-4108-AA02-DFA0A04FC94B}">
-              <ma14:wrappingTextBoxFlag xmlns:ma14="http://schemas.microsoft.com/office/mac/drawingml/2011/main" xmlns:a14="http://schemas.microsoft.com/office/drawing/2010/main" xmlns:m="http://schemas.openxmlformats.org/officeDocument/2006/math" xmlns="" val="1"/>
+              <ma14:wrappingTextBoxFlag xmlns="" xmlns:m="http://schemas.openxmlformats.org/officeDocument/2006/math" xmlns:a14="http://schemas.microsoft.com/office/drawing/2010/main" xmlns:ma14="http://schemas.microsoft.com/office/mac/drawingml/2011/main" val="1"/>
             </a:ext>
           </a:extLst>
         </p:spPr>
@@ -2578,7 +2578,7 @@
           </a:ln>
           <a:extLst>
             <a:ext uri="{C572A759-6A51-4108-AA02-DFA0A04FC94B}">
-              <ma14:wrappingTextBoxFlag xmlns:ma14="http://schemas.microsoft.com/office/mac/drawingml/2011/main" xmlns:a14="http://schemas.microsoft.com/office/drawing/2010/main" xmlns:m="http://schemas.openxmlformats.org/officeDocument/2006/math" xmlns="" val="1"/>
+              <ma14:wrappingTextBoxFlag xmlns="" xmlns:m="http://schemas.openxmlformats.org/officeDocument/2006/math" xmlns:a14="http://schemas.microsoft.com/office/drawing/2010/main" xmlns:ma14="http://schemas.microsoft.com/office/mac/drawingml/2011/main" val="1"/>
             </a:ext>
           </a:extLst>
         </p:spPr>
@@ -2652,8 +2652,8 @@
               </a:defRPr>
             </a:pPr>
             <a:r>
-              <a:rPr lang="ru-RU" dirty="0"/>
-              <a:t>Машков Андрей Валерьевич</a:t>
+              <a:rPr lang="ru-RU"/>
+              <a:t>Верещагина Светлана Сергеевна</a:t>
             </a:r>
             <a:endParaRPr dirty="0"/>
           </a:p>
@@ -2990,7 +2990,7 @@
           </a:ln>
           <a:extLst>
             <a:ext uri="{C572A759-6A51-4108-AA02-DFA0A04FC94B}">
-              <ma14:wrappingTextBoxFlag xmlns:ma14="http://schemas.microsoft.com/office/mac/drawingml/2011/main" xmlns:a14="http://schemas.microsoft.com/office/drawing/2010/main" xmlns:m="http://schemas.openxmlformats.org/officeDocument/2006/math" xmlns="" val="1"/>
+              <ma14:wrappingTextBoxFlag xmlns="" xmlns:m="http://schemas.openxmlformats.org/officeDocument/2006/math" xmlns:a14="http://schemas.microsoft.com/office/drawing/2010/main" xmlns:ma14="http://schemas.microsoft.com/office/mac/drawingml/2011/main" val="1"/>
             </a:ext>
           </a:extLst>
         </p:spPr>
@@ -4028,7 +4028,7 @@
           </a:ln>
           <a:extLst>
             <a:ext uri="{C572A759-6A51-4108-AA02-DFA0A04FC94B}">
-              <ma14:wrappingTextBoxFlag xmlns:ma14="http://schemas.microsoft.com/office/mac/drawingml/2011/main" xmlns:a14="http://schemas.microsoft.com/office/drawing/2010/main" xmlns:m="http://schemas.openxmlformats.org/officeDocument/2006/math" xmlns="" val="1"/>
+              <ma14:wrappingTextBoxFlag xmlns="" xmlns:m="http://schemas.openxmlformats.org/officeDocument/2006/math" xmlns:a14="http://schemas.microsoft.com/office/drawing/2010/main" xmlns:ma14="http://schemas.microsoft.com/office/mac/drawingml/2011/main" val="1"/>
             </a:ext>
           </a:extLst>
         </p:spPr>
@@ -4394,7 +4394,7 @@
           </a:ln>
           <a:extLst>
             <a:ext uri="{C572A759-6A51-4108-AA02-DFA0A04FC94B}">
-              <ma14:wrappingTextBoxFlag xmlns="" xmlns:m="http://schemas.openxmlformats.org/officeDocument/2006/math" xmlns:a14="http://schemas.microsoft.com/office/drawing/2010/main" xmlns:ma14="http://schemas.microsoft.com/office/mac/drawingml/2011/main" val="1"/>
+              <ma14:wrappingTextBoxFlag xmlns:ma14="http://schemas.microsoft.com/office/mac/drawingml/2011/main" xmlns:a14="http://schemas.microsoft.com/office/drawing/2010/main" xmlns:m="http://schemas.openxmlformats.org/officeDocument/2006/math" xmlns="" val="1"/>
             </a:ext>
           </a:extLst>
         </p:spPr>
@@ -5040,7 +5040,7 @@
           </a:ln>
           <a:extLst>
             <a:ext uri="{C572A759-6A51-4108-AA02-DFA0A04FC94B}">
-              <ma14:wrappingTextBoxFlag xmlns:ma14="http://schemas.microsoft.com/office/mac/drawingml/2011/main" xmlns:a14="http://schemas.microsoft.com/office/drawing/2010/main" xmlns:m="http://schemas.openxmlformats.org/officeDocument/2006/math" xmlns="" val="1"/>
+              <ma14:wrappingTextBoxFlag xmlns="" xmlns:m="http://schemas.openxmlformats.org/officeDocument/2006/math" xmlns:a14="http://schemas.microsoft.com/office/drawing/2010/main" xmlns:ma14="http://schemas.microsoft.com/office/mac/drawingml/2011/main" val="1"/>
             </a:ext>
           </a:extLst>
         </p:spPr>
@@ -5831,7 +5831,7 @@
           </a:ln>
           <a:extLst>
             <a:ext uri="{C572A759-6A51-4108-AA02-DFA0A04FC94B}">
-              <ma14:wrappingTextBoxFlag xmlns:ma14="http://schemas.microsoft.com/office/mac/drawingml/2011/main" xmlns:a14="http://schemas.microsoft.com/office/drawing/2010/main" xmlns:m="http://schemas.openxmlformats.org/officeDocument/2006/math" xmlns="" val="1"/>
+              <ma14:wrappingTextBoxFlag xmlns="" xmlns:m="http://schemas.openxmlformats.org/officeDocument/2006/math" xmlns:a14="http://schemas.microsoft.com/office/drawing/2010/main" xmlns:ma14="http://schemas.microsoft.com/office/mac/drawingml/2011/main" val="1"/>
             </a:ext>
           </a:extLst>
         </p:spPr>
@@ -6348,7 +6348,7 @@
           </a:ln>
           <a:extLst>
             <a:ext uri="{C572A759-6A51-4108-AA02-DFA0A04FC94B}">
-              <ma14:wrappingTextBoxFlag xmlns:ma14="http://schemas.microsoft.com/office/mac/drawingml/2011/main" xmlns:a14="http://schemas.microsoft.com/office/drawing/2010/main" xmlns:m="http://schemas.openxmlformats.org/officeDocument/2006/math" xmlns="" val="1"/>
+              <ma14:wrappingTextBoxFlag xmlns="" xmlns:m="http://schemas.openxmlformats.org/officeDocument/2006/math" xmlns:a14="http://schemas.microsoft.com/office/drawing/2010/main" xmlns:ma14="http://schemas.microsoft.com/office/mac/drawingml/2011/main" val="1"/>
             </a:ext>
           </a:extLst>
         </p:spPr>
@@ -6801,7 +6801,7 @@
           </a:ln>
           <a:extLst>
             <a:ext uri="{C572A759-6A51-4108-AA02-DFA0A04FC94B}">
-              <ma14:wrappingTextBoxFlag xmlns:ma14="http://schemas.microsoft.com/office/mac/drawingml/2011/main" xmlns:a14="http://schemas.microsoft.com/office/drawing/2010/main" xmlns:m="http://schemas.openxmlformats.org/officeDocument/2006/math" xmlns="" val="1"/>
+              <ma14:wrappingTextBoxFlag xmlns="" xmlns:m="http://schemas.openxmlformats.org/officeDocument/2006/math" xmlns:a14="http://schemas.microsoft.com/office/drawing/2010/main" xmlns:ma14="http://schemas.microsoft.com/office/mac/drawingml/2011/main" val="1"/>
             </a:ext>
           </a:extLst>
         </p:spPr>
@@ -7314,7 +7314,7 @@
           </a:ln>
           <a:extLst>
             <a:ext uri="{C572A759-6A51-4108-AA02-DFA0A04FC94B}">
-              <ma14:wrappingTextBoxFlag xmlns:ma14="http://schemas.microsoft.com/office/mac/drawingml/2011/main" xmlns:a14="http://schemas.microsoft.com/office/drawing/2010/main" xmlns:m="http://schemas.openxmlformats.org/officeDocument/2006/math" xmlns="" val="1"/>
+              <ma14:wrappingTextBoxFlag xmlns="" xmlns:m="http://schemas.openxmlformats.org/officeDocument/2006/math" xmlns:a14="http://schemas.microsoft.com/office/drawing/2010/main" xmlns:ma14="http://schemas.microsoft.com/office/mac/drawingml/2011/main" val="1"/>
             </a:ext>
           </a:extLst>
         </p:spPr>
@@ -7816,7 +7816,7 @@
           </a:ln>
           <a:extLst>
             <a:ext uri="{C572A759-6A51-4108-AA02-DFA0A04FC94B}">
-              <ma14:wrappingTextBoxFlag xmlns="" xmlns:m="http://schemas.openxmlformats.org/officeDocument/2006/math" xmlns:a14="http://schemas.microsoft.com/office/drawing/2010/main" xmlns:ma14="http://schemas.microsoft.com/office/mac/drawingml/2011/main" val="1"/>
+              <ma14:wrappingTextBoxFlag xmlns:ma14="http://schemas.microsoft.com/office/mac/drawingml/2011/main" xmlns:a14="http://schemas.microsoft.com/office/drawing/2010/main" xmlns:m="http://schemas.openxmlformats.org/officeDocument/2006/math" xmlns="" val="1"/>
             </a:ext>
           </a:extLst>
         </p:spPr>
@@ -8323,7 +8323,7 @@
           </a:ln>
           <a:extLst>
             <a:ext uri="{C572A759-6A51-4108-AA02-DFA0A04FC94B}">
-              <ma14:wrappingTextBoxFlag xmlns:ma14="http://schemas.microsoft.com/office/mac/drawingml/2011/main" xmlns:a14="http://schemas.microsoft.com/office/drawing/2010/main" xmlns:m="http://schemas.openxmlformats.org/officeDocument/2006/math" xmlns="" val="1"/>
+              <ma14:wrappingTextBoxFlag xmlns="" xmlns:m="http://schemas.openxmlformats.org/officeDocument/2006/math" xmlns:a14="http://schemas.microsoft.com/office/drawing/2010/main" xmlns:ma14="http://schemas.microsoft.com/office/mac/drawingml/2011/main" val="1"/>
             </a:ext>
           </a:extLst>
         </p:spPr>

--- a/ПРЕЗЕНТАЦИЯ.pptx
+++ b/ПРЕЗЕНТАЦИЯ.pptx
@@ -700,7 +700,7 @@
           </a:ln>
           <a:extLst>
             <a:ext uri="{C572A759-6A51-4108-AA02-DFA0A04FC94B}">
-              <ma14:wrappingTextBoxFlag xmlns="" xmlns:m="http://schemas.openxmlformats.org/officeDocument/2006/math" xmlns:a14="http://schemas.microsoft.com/office/drawing/2010/main" xmlns:ma14="http://schemas.microsoft.com/office/mac/drawingml/2011/main" val="1"/>
+              <ma14:wrappingTextBoxFlag xmlns:ma14="http://schemas.microsoft.com/office/mac/drawingml/2011/main" xmlns:a14="http://schemas.microsoft.com/office/drawing/2010/main" xmlns:m="http://schemas.openxmlformats.org/officeDocument/2006/math" xmlns="" val="1"/>
             </a:ext>
           </a:extLst>
         </p:spPr>
@@ -739,7 +739,7 @@
           </a:ln>
           <a:extLst>
             <a:ext uri="{C572A759-6A51-4108-AA02-DFA0A04FC94B}">
-              <ma14:wrappingTextBoxFlag xmlns="" xmlns:m="http://schemas.openxmlformats.org/officeDocument/2006/math" xmlns:a14="http://schemas.microsoft.com/office/drawing/2010/main" xmlns:ma14="http://schemas.microsoft.com/office/mac/drawingml/2011/main" val="1"/>
+              <ma14:wrappingTextBoxFlag xmlns:ma14="http://schemas.microsoft.com/office/mac/drawingml/2011/main" xmlns:a14="http://schemas.microsoft.com/office/drawing/2010/main" xmlns:m="http://schemas.openxmlformats.org/officeDocument/2006/math" xmlns="" val="1"/>
             </a:ext>
           </a:extLst>
         </p:spPr>
@@ -2418,7 +2418,7 @@
           </a:ln>
           <a:extLst>
             <a:ext uri="{C572A759-6A51-4108-AA02-DFA0A04FC94B}">
-              <ma14:wrappingTextBoxFlag xmlns="" xmlns:m="http://schemas.openxmlformats.org/officeDocument/2006/math" xmlns:a14="http://schemas.microsoft.com/office/drawing/2010/main" xmlns:ma14="http://schemas.microsoft.com/office/mac/drawingml/2011/main" val="1"/>
+              <ma14:wrappingTextBoxFlag xmlns:ma14="http://schemas.microsoft.com/office/mac/drawingml/2011/main" xmlns:a14="http://schemas.microsoft.com/office/drawing/2010/main" xmlns:m="http://schemas.openxmlformats.org/officeDocument/2006/math" xmlns="" val="1"/>
             </a:ext>
           </a:extLst>
         </p:spPr>
@@ -2490,7 +2490,7 @@
           </a:ln>
           <a:extLst>
             <a:ext uri="{C572A759-6A51-4108-AA02-DFA0A04FC94B}">
-              <ma14:wrappingTextBoxFlag xmlns="" xmlns:m="http://schemas.openxmlformats.org/officeDocument/2006/math" xmlns:a14="http://schemas.microsoft.com/office/drawing/2010/main" xmlns:ma14="http://schemas.microsoft.com/office/mac/drawingml/2011/main" val="1"/>
+              <ma14:wrappingTextBoxFlag xmlns:ma14="http://schemas.microsoft.com/office/mac/drawingml/2011/main" xmlns:a14="http://schemas.microsoft.com/office/drawing/2010/main" xmlns:m="http://schemas.openxmlformats.org/officeDocument/2006/math" xmlns="" val="1"/>
             </a:ext>
           </a:extLst>
         </p:spPr>
@@ -2578,7 +2578,7 @@
           </a:ln>
           <a:extLst>
             <a:ext uri="{C572A759-6A51-4108-AA02-DFA0A04FC94B}">
-              <ma14:wrappingTextBoxFlag xmlns="" xmlns:m="http://schemas.openxmlformats.org/officeDocument/2006/math" xmlns:a14="http://schemas.microsoft.com/office/drawing/2010/main" xmlns:ma14="http://schemas.microsoft.com/office/mac/drawingml/2011/main" val="1"/>
+              <ma14:wrappingTextBoxFlag xmlns:ma14="http://schemas.microsoft.com/office/mac/drawingml/2011/main" xmlns:a14="http://schemas.microsoft.com/office/drawing/2010/main" xmlns:m="http://schemas.openxmlformats.org/officeDocument/2006/math" xmlns="" val="1"/>
             </a:ext>
           </a:extLst>
         </p:spPr>
@@ -2990,7 +2990,7 @@
           </a:ln>
           <a:extLst>
             <a:ext uri="{C572A759-6A51-4108-AA02-DFA0A04FC94B}">
-              <ma14:wrappingTextBoxFlag xmlns="" xmlns:m="http://schemas.openxmlformats.org/officeDocument/2006/math" xmlns:a14="http://schemas.microsoft.com/office/drawing/2010/main" xmlns:ma14="http://schemas.microsoft.com/office/mac/drawingml/2011/main" val="1"/>
+              <ma14:wrappingTextBoxFlag xmlns:ma14="http://schemas.microsoft.com/office/mac/drawingml/2011/main" xmlns:a14="http://schemas.microsoft.com/office/drawing/2010/main" xmlns:m="http://schemas.openxmlformats.org/officeDocument/2006/math" xmlns="" val="1"/>
             </a:ext>
           </a:extLst>
         </p:spPr>
@@ -4028,7 +4028,7 @@
           </a:ln>
           <a:extLst>
             <a:ext uri="{C572A759-6A51-4108-AA02-DFA0A04FC94B}">
-              <ma14:wrappingTextBoxFlag xmlns="" xmlns:m="http://schemas.openxmlformats.org/officeDocument/2006/math" xmlns:a14="http://schemas.microsoft.com/office/drawing/2010/main" xmlns:ma14="http://schemas.microsoft.com/office/mac/drawingml/2011/main" val="1"/>
+              <ma14:wrappingTextBoxFlag xmlns:ma14="http://schemas.microsoft.com/office/mac/drawingml/2011/main" xmlns:a14="http://schemas.microsoft.com/office/drawing/2010/main" xmlns:m="http://schemas.openxmlformats.org/officeDocument/2006/math" xmlns="" val="1"/>
             </a:ext>
           </a:extLst>
         </p:spPr>
@@ -4394,7 +4394,7 @@
           </a:ln>
           <a:extLst>
             <a:ext uri="{C572A759-6A51-4108-AA02-DFA0A04FC94B}">
-              <ma14:wrappingTextBoxFlag xmlns:ma14="http://schemas.microsoft.com/office/mac/drawingml/2011/main" xmlns:a14="http://schemas.microsoft.com/office/drawing/2010/main" xmlns:m="http://schemas.openxmlformats.org/officeDocument/2006/math" xmlns="" val="1"/>
+              <ma14:wrappingTextBoxFlag xmlns="" xmlns:m="http://schemas.openxmlformats.org/officeDocument/2006/math" xmlns:a14="http://schemas.microsoft.com/office/drawing/2010/main" xmlns:ma14="http://schemas.microsoft.com/office/mac/drawingml/2011/main" val="1"/>
             </a:ext>
           </a:extLst>
         </p:spPr>
@@ -5040,7 +5040,7 @@
           </a:ln>
           <a:extLst>
             <a:ext uri="{C572A759-6A51-4108-AA02-DFA0A04FC94B}">
-              <ma14:wrappingTextBoxFlag xmlns="" xmlns:m="http://schemas.openxmlformats.org/officeDocument/2006/math" xmlns:a14="http://schemas.microsoft.com/office/drawing/2010/main" xmlns:ma14="http://schemas.microsoft.com/office/mac/drawingml/2011/main" val="1"/>
+              <ma14:wrappingTextBoxFlag xmlns:ma14="http://schemas.microsoft.com/office/mac/drawingml/2011/main" xmlns:a14="http://schemas.microsoft.com/office/drawing/2010/main" xmlns:m="http://schemas.openxmlformats.org/officeDocument/2006/math" xmlns="" val="1"/>
             </a:ext>
           </a:extLst>
         </p:spPr>
@@ -5831,7 +5831,7 @@
           </a:ln>
           <a:extLst>
             <a:ext uri="{C572A759-6A51-4108-AA02-DFA0A04FC94B}">
-              <ma14:wrappingTextBoxFlag xmlns="" xmlns:m="http://schemas.openxmlformats.org/officeDocument/2006/math" xmlns:a14="http://schemas.microsoft.com/office/drawing/2010/main" xmlns:ma14="http://schemas.microsoft.com/office/mac/drawingml/2011/main" val="1"/>
+              <ma14:wrappingTextBoxFlag xmlns:ma14="http://schemas.microsoft.com/office/mac/drawingml/2011/main" xmlns:a14="http://schemas.microsoft.com/office/drawing/2010/main" xmlns:m="http://schemas.openxmlformats.org/officeDocument/2006/math" xmlns="" val="1"/>
             </a:ext>
           </a:extLst>
         </p:spPr>
@@ -5975,7 +5975,7 @@
         </p:blipFill>
         <p:spPr bwMode="auto">
           <a:xfrm>
-            <a:off x="671059" y="2246020"/>
+            <a:off x="166685" y="1977501"/>
             <a:ext cx="5010150" cy="3000375"/>
           </a:xfrm>
           <a:prstGeom prst="rect">
@@ -5989,10 +5989,10 @@
       </p:pic>
       <p:pic>
         <p:nvPicPr>
-          <p:cNvPr id="8" name="Рисунок 7">
+          <p:cNvPr id="7" name="Рисунок 6">
             <a:extLst>
               <a:ext uri="{FF2B5EF4-FFF2-40B4-BE49-F238E27FC236}">
-                <a16:creationId xmlns:a16="http://schemas.microsoft.com/office/drawing/2014/main" id="{27EBB9DF-916F-4151-7D9C-F2A2E3364BFC}"/>
+                <a16:creationId xmlns:a16="http://schemas.microsoft.com/office/drawing/2014/main" id="{E819FF3F-B912-C0D9-3082-3922C533EC17}"/>
               </a:ext>
             </a:extLst>
           </p:cNvPr>
@@ -6009,8 +6009,8 @@
         </p:blipFill>
         <p:spPr>
           <a:xfrm>
-            <a:off x="5955120" y="1590643"/>
-            <a:ext cx="5697924" cy="3410648"/>
+            <a:off x="5442295" y="1535114"/>
+            <a:ext cx="6448445" cy="3808960"/>
           </a:xfrm>
           <a:prstGeom prst="rect">
             <a:avLst/>
@@ -6348,7 +6348,7 @@
           </a:ln>
           <a:extLst>
             <a:ext uri="{C572A759-6A51-4108-AA02-DFA0A04FC94B}">
-              <ma14:wrappingTextBoxFlag xmlns="" xmlns:m="http://schemas.openxmlformats.org/officeDocument/2006/math" xmlns:a14="http://schemas.microsoft.com/office/drawing/2010/main" xmlns:ma14="http://schemas.microsoft.com/office/mac/drawingml/2011/main" val="1"/>
+              <ma14:wrappingTextBoxFlag xmlns:ma14="http://schemas.microsoft.com/office/mac/drawingml/2011/main" xmlns:a14="http://schemas.microsoft.com/office/drawing/2010/main" xmlns:m="http://schemas.openxmlformats.org/officeDocument/2006/math" xmlns="" val="1"/>
             </a:ext>
           </a:extLst>
         </p:spPr>
@@ -6801,7 +6801,7 @@
           </a:ln>
           <a:extLst>
             <a:ext uri="{C572A759-6A51-4108-AA02-DFA0A04FC94B}">
-              <ma14:wrappingTextBoxFlag xmlns="" xmlns:m="http://schemas.openxmlformats.org/officeDocument/2006/math" xmlns:a14="http://schemas.microsoft.com/office/drawing/2010/main" xmlns:ma14="http://schemas.microsoft.com/office/mac/drawingml/2011/main" val="1"/>
+              <ma14:wrappingTextBoxFlag xmlns:ma14="http://schemas.microsoft.com/office/mac/drawingml/2011/main" xmlns:a14="http://schemas.microsoft.com/office/drawing/2010/main" xmlns:m="http://schemas.openxmlformats.org/officeDocument/2006/math" xmlns="" val="1"/>
             </a:ext>
           </a:extLst>
         </p:spPr>
@@ -7314,7 +7314,7 @@
           </a:ln>
           <a:extLst>
             <a:ext uri="{C572A759-6A51-4108-AA02-DFA0A04FC94B}">
-              <ma14:wrappingTextBoxFlag xmlns="" xmlns:m="http://schemas.openxmlformats.org/officeDocument/2006/math" xmlns:a14="http://schemas.microsoft.com/office/drawing/2010/main" xmlns:ma14="http://schemas.microsoft.com/office/mac/drawingml/2011/main" val="1"/>
+              <ma14:wrappingTextBoxFlag xmlns:ma14="http://schemas.microsoft.com/office/mac/drawingml/2011/main" xmlns:a14="http://schemas.microsoft.com/office/drawing/2010/main" xmlns:m="http://schemas.openxmlformats.org/officeDocument/2006/math" xmlns="" val="1"/>
             </a:ext>
           </a:extLst>
         </p:spPr>
@@ -7816,7 +7816,7 @@
           </a:ln>
           <a:extLst>
             <a:ext uri="{C572A759-6A51-4108-AA02-DFA0A04FC94B}">
-              <ma14:wrappingTextBoxFlag xmlns:ma14="http://schemas.microsoft.com/office/mac/drawingml/2011/main" xmlns:a14="http://schemas.microsoft.com/office/drawing/2010/main" xmlns:m="http://schemas.openxmlformats.org/officeDocument/2006/math" xmlns="" val="1"/>
+              <ma14:wrappingTextBoxFlag xmlns="" xmlns:m="http://schemas.openxmlformats.org/officeDocument/2006/math" xmlns:a14="http://schemas.microsoft.com/office/drawing/2010/main" xmlns:ma14="http://schemas.microsoft.com/office/mac/drawingml/2011/main" val="1"/>
             </a:ext>
           </a:extLst>
         </p:spPr>
@@ -8323,7 +8323,7 @@
           </a:ln>
           <a:extLst>
             <a:ext uri="{C572A759-6A51-4108-AA02-DFA0A04FC94B}">
-              <ma14:wrappingTextBoxFlag xmlns="" xmlns:m="http://schemas.openxmlformats.org/officeDocument/2006/math" xmlns:a14="http://schemas.microsoft.com/office/drawing/2010/main" xmlns:ma14="http://schemas.microsoft.com/office/mac/drawingml/2011/main" val="1"/>
+              <ma14:wrappingTextBoxFlag xmlns:ma14="http://schemas.microsoft.com/office/mac/drawingml/2011/main" xmlns:a14="http://schemas.microsoft.com/office/drawing/2010/main" xmlns:m="http://schemas.openxmlformats.org/officeDocument/2006/math" xmlns="" val="1"/>
             </a:ext>
           </a:extLst>
         </p:spPr>
@@ -8928,10 +8928,10 @@
       </p:graphicFrame>
       <p:pic>
         <p:nvPicPr>
-          <p:cNvPr id="3" name="Рисунок 2">
+          <p:cNvPr id="5" name="Рисунок 4">
             <a:extLst>
               <a:ext uri="{FF2B5EF4-FFF2-40B4-BE49-F238E27FC236}">
-                <a16:creationId xmlns:a16="http://schemas.microsoft.com/office/drawing/2014/main" id="{A99C8494-0C30-1FD1-7CB0-3F4670806BB2}"/>
+                <a16:creationId xmlns:a16="http://schemas.microsoft.com/office/drawing/2014/main" id="{CD711537-EC6C-5B63-D39B-7ADFF9FAAB7C}"/>
               </a:ext>
             </a:extLst>
           </p:cNvPr>
@@ -8941,30 +8941,19 @@
           <p:nvPr/>
         </p:nvPicPr>
         <p:blipFill>
-          <a:blip r:embed="rId3">
-            <a:extLst>
-              <a:ext uri="{28A0092B-C50C-407E-A947-70E740481C1C}">
-                <a14:useLocalDpi xmlns:a14="http://schemas.microsoft.com/office/drawing/2010/main" val="0"/>
-              </a:ext>
-            </a:extLst>
-          </a:blip>
-          <a:srcRect/>
+          <a:blip r:embed="rId3"/>
           <a:stretch>
             <a:fillRect/>
           </a:stretch>
         </p:blipFill>
-        <p:spPr bwMode="auto">
+        <p:spPr>
           <a:xfrm>
-            <a:off x="286968" y="2040091"/>
-            <a:ext cx="7175327" cy="3330527"/>
+            <a:off x="706094" y="1874704"/>
+            <a:ext cx="6724750" cy="3163954"/>
           </a:xfrm>
           <a:prstGeom prst="rect">
             <a:avLst/>
           </a:prstGeom>
-          <a:noFill/>
-          <a:ln>
-            <a:noFill/>
-          </a:ln>
         </p:spPr>
       </p:pic>
     </p:spTree>
